--- a/Прибыльность рейсов авиакомпании в зимний период.pptx
+++ b/Прибыльность рейсов авиакомпании в зимний период.pptx
@@ -110,6 +110,11 @@
       </a:defRPr>
     </a:lvl9pPr>
   </p:defaultTextStyle>
+  <p:extLst>
+    <p:ext uri="{EFAFB233-063F-42B5-8137-9DF3F51BA10A}">
+      <p15:sldGuideLst xmlns:p15="http://schemas.microsoft.com/office/powerpoint/2012/main"/>
+    </p:ext>
+  </p:extLst>
 </p:presentation>
 </file>
 
@@ -6519,7 +6524,7 @@
           <a:p>
             <a:pPr marL="0" indent="0">
               <a:lnSpc>
-                <a:spcPct val="150000"/>
+                <a:spcPct val="100000"/>
               </a:lnSpc>
               <a:buNone/>
             </a:pPr>
@@ -6531,7 +6536,7 @@
           <a:p>
             <a:pPr>
               <a:lnSpc>
-                <a:spcPct val="150000"/>
+                <a:spcPct val="100000"/>
               </a:lnSpc>
             </a:pPr>
             <a:r>
@@ -6542,7 +6547,7 @@
           <a:p>
             <a:pPr>
               <a:lnSpc>
-                <a:spcPct val="150000"/>
+                <a:spcPct val="100000"/>
               </a:lnSpc>
             </a:pPr>
             <a:r>
@@ -6553,7 +6558,7 @@
           <a:p>
             <a:pPr>
               <a:lnSpc>
-                <a:spcPct val="150000"/>
+                <a:spcPct val="100000"/>
               </a:lnSpc>
             </a:pPr>
             <a:r>
@@ -6564,12 +6569,63 @@
           <a:p>
             <a:pPr>
               <a:lnSpc>
-                <a:spcPct val="150000"/>
+                <a:spcPct val="100000"/>
               </a:lnSpc>
             </a:pPr>
             <a:r>
               <a:rPr lang="ru-RU" dirty="0" smtClean="0"/>
-              <a:t>Данные о дополнительных (питание, обслуживание и т.д.) расходах на 1 пассажира Эконом и Бизнес классов (по отдельности)</a:t>
+              <a:t>Данные о дополнительных (питание, обслуживание и т.д.) расходах на 1 пассажира Эконом и Бизнес </a:t>
+            </a:r>
+            <a:r>
+              <a:rPr lang="ru-RU" dirty="0" smtClean="0"/>
+              <a:t>классов </a:t>
+            </a:r>
+            <a:r>
+              <a:rPr lang="ru-RU" dirty="0" smtClean="0"/>
+              <a:t>(по отдельности</a:t>
+            </a:r>
+            <a:r>
+              <a:rPr lang="ru-RU" dirty="0" smtClean="0"/>
+              <a:t>)</a:t>
+            </a:r>
+          </a:p>
+          <a:p>
+            <a:pPr>
+              <a:lnSpc>
+                <a:spcPct val="100000"/>
+              </a:lnSpc>
+            </a:pPr>
+            <a:r>
+              <a:rPr lang="ru-RU" dirty="0" smtClean="0"/>
+              <a:t>При получении итогового </a:t>
+            </a:r>
+            <a:r>
+              <a:rPr lang="ru-RU" dirty="0" err="1" smtClean="0"/>
+              <a:t>Датасета</a:t>
+            </a:r>
+            <a:r>
+              <a:rPr lang="ru-RU" dirty="0" smtClean="0"/>
+              <a:t> было обнаружено, что отсутствует информация о билетах по рейсам с номером </a:t>
+            </a:r>
+            <a:r>
+              <a:rPr lang="en-US" dirty="0" smtClean="0"/>
+              <a:t>PG0194</a:t>
+            </a:r>
+            <a:r>
+              <a:rPr lang="ru-RU" dirty="0" smtClean="0"/>
+              <a:t>, требуется провести анализ, возможно данные </a:t>
+            </a:r>
+            <a:r>
+              <a:rPr lang="ru-RU" smtClean="0"/>
+              <a:t>о выручке есть </a:t>
+            </a:r>
+            <a:r>
+              <a:rPr lang="ru-RU" dirty="0" smtClean="0"/>
+              <a:t>в таблице </a:t>
+            </a:r>
+            <a:r>
+              <a:rPr lang="en-US" dirty="0" smtClean="0"/>
+              <a:t>Bookings</a:t>
             </a:r>
             <a:endParaRPr lang="ru-RU" dirty="0"/>
           </a:p>
